--- a/docs/LogosPolytechnikos_releas2.pptx
+++ b/docs/LogosPolytechnikos_releas2.pptx
@@ -3898,11 +3898,7 @@
           <a:p>
             <a:r>
               <a:rPr lang="cs-CZ" dirty="0" smtClean="0"/>
-              <a:t>Řízení softwarového </a:t>
-            </a:r>
-            <a:r>
-              <a:rPr lang="cs-CZ" dirty="0" smtClean="0"/>
-              <a:t>projektů</a:t>
+              <a:t>Řízení softwarového projektů</a:t>
             </a:r>
           </a:p>
           <a:p>
@@ -3977,15 +3973,113 @@
           </a:p>
         </p:txBody>
       </p:sp>
+      <p:sp>
+        <p:nvSpPr>
+          <p:cNvPr id="10" name="Zástupný symbol pro obsah 9"/>
+          <p:cNvSpPr>
+            <a:spLocks noGrp="1"/>
+          </p:cNvSpPr>
+          <p:nvPr>
+            <p:ph sz="half" idx="1"/>
+          </p:nvPr>
+        </p:nvSpPr>
+        <p:spPr>
+          <a:xfrm>
+            <a:off x="1371600" y="2285999"/>
+            <a:ext cx="3785286" cy="3581401"/>
+          </a:xfrm>
+        </p:spPr>
+        <p:txBody>
+          <a:bodyPr/>
+          <a:lstStyle/>
+          <a:p>
+            <a:r>
+              <a:rPr lang="cs-CZ" dirty="0" smtClean="0"/>
+              <a:t>Vytvořený v </a:t>
+            </a:r>
+            <a:r>
+              <a:rPr lang="cs-CZ" dirty="0" err="1" smtClean="0"/>
+              <a:t>php</a:t>
+            </a:r>
+            <a:endParaRPr lang="cs-CZ" dirty="0" smtClean="0"/>
+          </a:p>
+          <a:p>
+            <a:r>
+              <a:rPr lang="cs-CZ" dirty="0" smtClean="0"/>
+              <a:t>Využití </a:t>
+            </a:r>
+            <a:r>
+              <a:rPr lang="cs-CZ" dirty="0" err="1" smtClean="0"/>
+              <a:t>framework</a:t>
+            </a:r>
+            <a:r>
+              <a:rPr lang="cs-CZ" dirty="0" smtClean="0"/>
+              <a:t> </a:t>
+            </a:r>
+            <a:r>
+              <a:rPr lang="cs-CZ" dirty="0" err="1" smtClean="0"/>
+              <a:t>Symfony</a:t>
+            </a:r>
+            <a:endParaRPr lang="cs-CZ" dirty="0" smtClean="0"/>
+          </a:p>
+          <a:p>
+            <a:r>
+              <a:rPr lang="cs-CZ" dirty="0" smtClean="0"/>
+              <a:t>Zdrojový </a:t>
+            </a:r>
+            <a:r>
+              <a:rPr lang="cs-CZ" dirty="0" err="1" smtClean="0"/>
+              <a:t>kod</a:t>
+            </a:r>
+            <a:r>
+              <a:rPr lang="cs-CZ" dirty="0" smtClean="0"/>
+              <a:t> </a:t>
+            </a:r>
+            <a:r>
+              <a:rPr lang="cs-CZ" dirty="0" err="1" smtClean="0"/>
+              <a:t>dostupny</a:t>
+            </a:r>
+            <a:r>
+              <a:rPr lang="cs-CZ" dirty="0" smtClean="0"/>
+              <a:t> na </a:t>
+            </a:r>
+            <a:r>
+              <a:rPr lang="cs-CZ" dirty="0" err="1" smtClean="0"/>
+              <a:t>Githubu</a:t>
+            </a:r>
+            <a:endParaRPr lang="cs-CZ" dirty="0" smtClean="0"/>
+          </a:p>
+          <a:p>
+            <a:endParaRPr lang="cs-CZ" dirty="0"/>
+          </a:p>
+        </p:txBody>
+      </p:sp>
+      <p:sp>
+        <p:nvSpPr>
+          <p:cNvPr id="11" name="Zástupný symbol pro obsah 10"/>
+          <p:cNvSpPr>
+            <a:spLocks noGrp="1"/>
+          </p:cNvSpPr>
+          <p:nvPr>
+            <p:ph sz="half" idx="2"/>
+          </p:nvPr>
+        </p:nvSpPr>
+        <p:spPr/>
+        <p:txBody>
+          <a:bodyPr/>
+          <a:lstStyle/>
+          <a:p>
+            <a:endParaRPr lang="cs-CZ"/>
+          </a:p>
+        </p:txBody>
+      </p:sp>
       <p:pic>
         <p:nvPicPr>
-          <p:cNvPr id="4" name="Zástupný symbol pro obsah 3"/>
+          <p:cNvPr id="9" name="Obrázek 8"/>
           <p:cNvPicPr>
-            <a:picLocks noGrp="1" noChangeAspect="1"/>
+            <a:picLocks noChangeAspect="1"/>
           </p:cNvPicPr>
-          <p:nvPr>
-            <p:ph idx="1"/>
-          </p:nvPr>
+          <p:nvPr/>
         </p:nvPicPr>
         <p:blipFill>
           <a:blip r:embed="rId2"/>
@@ -3995,104 +4089,8 @@
         </p:blipFill>
         <p:spPr>
           <a:xfrm>
-            <a:off x="1479335" y="2171700"/>
-            <a:ext cx="2581275" cy="2543175"/>
-          </a:xfrm>
-          <a:prstGeom prst="rect">
-            <a:avLst/>
-          </a:prstGeom>
-        </p:spPr>
-      </p:pic>
-      <p:pic>
-        <p:nvPicPr>
-          <p:cNvPr id="5" name="Obrázek 4"/>
-          <p:cNvPicPr>
-            <a:picLocks noChangeAspect="1"/>
-          </p:cNvPicPr>
-          <p:nvPr/>
-        </p:nvPicPr>
-        <p:blipFill>
-          <a:blip r:embed="rId3"/>
-          <a:stretch>
-            <a:fillRect/>
-          </a:stretch>
-        </p:blipFill>
-        <p:spPr>
-          <a:xfrm>
-            <a:off x="4787213" y="2171700"/>
-            <a:ext cx="1447800" cy="523875"/>
-          </a:xfrm>
-          <a:prstGeom prst="rect">
-            <a:avLst/>
-          </a:prstGeom>
-        </p:spPr>
-      </p:pic>
-      <p:pic>
-        <p:nvPicPr>
-          <p:cNvPr id="6" name="Obrázek 5"/>
-          <p:cNvPicPr>
-            <a:picLocks noChangeAspect="1"/>
-          </p:cNvPicPr>
-          <p:nvPr/>
-        </p:nvPicPr>
-        <p:blipFill>
-          <a:blip r:embed="rId4"/>
-          <a:stretch>
-            <a:fillRect/>
-          </a:stretch>
-        </p:blipFill>
-        <p:spPr>
-          <a:xfrm>
-            <a:off x="4787213" y="2919412"/>
-            <a:ext cx="1447800" cy="523875"/>
-          </a:xfrm>
-          <a:prstGeom prst="rect">
-            <a:avLst/>
-          </a:prstGeom>
-        </p:spPr>
-      </p:pic>
-      <p:pic>
-        <p:nvPicPr>
-          <p:cNvPr id="7" name="Obrázek 6"/>
-          <p:cNvPicPr>
-            <a:picLocks noChangeAspect="1"/>
-          </p:cNvPicPr>
-          <p:nvPr/>
-        </p:nvPicPr>
-        <p:blipFill>
-          <a:blip r:embed="rId5"/>
-          <a:stretch>
-            <a:fillRect/>
-          </a:stretch>
-        </p:blipFill>
-        <p:spPr>
-          <a:xfrm>
-            <a:off x="4787213" y="3667124"/>
-            <a:ext cx="1447800" cy="476250"/>
-          </a:xfrm>
-          <a:prstGeom prst="rect">
-            <a:avLst/>
-          </a:prstGeom>
-        </p:spPr>
-      </p:pic>
-      <p:pic>
-        <p:nvPicPr>
-          <p:cNvPr id="8" name="Obrázek 7"/>
-          <p:cNvPicPr>
-            <a:picLocks noChangeAspect="1"/>
-          </p:cNvPicPr>
-          <p:nvPr/>
-        </p:nvPicPr>
-        <p:blipFill>
-          <a:blip r:embed="rId6"/>
-          <a:stretch>
-            <a:fillRect/>
-          </a:stretch>
-        </p:blipFill>
-        <p:spPr>
-          <a:xfrm>
-            <a:off x="4787213" y="4367211"/>
-            <a:ext cx="1447800" cy="514350"/>
+            <a:off x="5727871" y="1739729"/>
+            <a:ext cx="6348799" cy="3510512"/>
           </a:xfrm>
           <a:prstGeom prst="rect">
             <a:avLst/>
@@ -4183,11 +4181,22 @@
           <a:p>
             <a:r>
               <a:rPr lang="cs-CZ" dirty="0" smtClean="0"/>
-              <a:t>Rozhodnutí důležitá pro vývoj</a:t>
-            </a:r>
-            <a:endParaRPr lang="cs-CZ" dirty="0"/>
-          </a:p>
-          <a:p>
+              <a:t>Je možné využít základních 2 rolí</a:t>
+            </a:r>
+          </a:p>
+          <a:p>
+            <a:pPr lvl="1"/>
+            <a:r>
+              <a:rPr lang="cs-CZ" dirty="0" smtClean="0"/>
+              <a:t>Autor =&gt; vytváří nové články</a:t>
+            </a:r>
+          </a:p>
+          <a:p>
+            <a:pPr lvl="1"/>
+            <a:r>
+              <a:rPr lang="cs-CZ" dirty="0" smtClean="0"/>
+              <a:t>Recenzent =&gt; hodnotí práci autorů rozhoduje zdali je článek přijatelný nebo ne</a:t>
+            </a:r>
             <a:endParaRPr lang="cs-CZ" dirty="0"/>
           </a:p>
         </p:txBody>
@@ -4267,6 +4276,36 @@
           <a:bodyPr/>
           <a:lstStyle/>
           <a:p>
+            <a:r>
+              <a:rPr lang="cs-CZ" dirty="0" smtClean="0"/>
+              <a:t>Testování probíhalo na dle úkolů v </a:t>
+            </a:r>
+            <a:r>
+              <a:rPr lang="cs-CZ" dirty="0" err="1" smtClean="0"/>
+              <a:t>Scrum</a:t>
+            </a:r>
+            <a:r>
+              <a:rPr lang="cs-CZ" dirty="0" err="1" smtClean="0"/>
+              <a:t>desku</a:t>
+            </a:r>
+            <a:r>
+              <a:rPr lang="cs-CZ" dirty="0" smtClean="0"/>
+              <a:t> a s ohledem na vytvořenou funkčnost</a:t>
+            </a:r>
+          </a:p>
+          <a:p>
+            <a:r>
+              <a:rPr lang="cs-CZ" dirty="0" smtClean="0"/>
+              <a:t>Zjištěné nedostatky byli konzultovány a dále upravovány</a:t>
+            </a:r>
+          </a:p>
+          <a:p>
+            <a:endParaRPr lang="cs-CZ" dirty="0" smtClean="0"/>
+          </a:p>
+          <a:p>
+            <a:endParaRPr lang="cs-CZ" dirty="0" smtClean="0"/>
+          </a:p>
+          <a:p>
             <a:endParaRPr lang="cs-CZ" dirty="0"/>
           </a:p>
         </p:txBody>
@@ -4324,35 +4363,46 @@
           </a:p>
         </p:txBody>
       </p:sp>
-      <p:pic>
-        <p:nvPicPr>
-          <p:cNvPr id="4" name="Zástupný symbol pro obsah 3"/>
-          <p:cNvPicPr>
-            <a:picLocks noGrp="1" noChangeAspect="1"/>
-          </p:cNvPicPr>
+      <p:sp>
+        <p:nvSpPr>
+          <p:cNvPr id="3" name="Zástupný symbol pro obsah 2"/>
+          <p:cNvSpPr>
+            <a:spLocks noGrp="1"/>
+          </p:cNvSpPr>
           <p:nvPr>
             <p:ph idx="1"/>
           </p:nvPr>
-        </p:nvPicPr>
-        <p:blipFill>
-          <a:blip r:embed="rId2" cstate="print">
-            <a:extLst>
-              <a:ext uri="{28A0092B-C50C-407E-A947-70E740481C1C}">
-                <a14:useLocalDpi xmlns:a14="http://schemas.microsoft.com/office/drawing/2010/main" val="0"/>
-              </a:ext>
-            </a:extLst>
-          </a:blip>
-          <a:stretch>
-            <a:fillRect/>
-          </a:stretch>
-        </p:blipFill>
-        <p:spPr>
-          <a:xfrm>
-            <a:off x="2076262" y="1977081"/>
-            <a:ext cx="7589237" cy="3890319"/>
-          </a:xfrm>
-        </p:spPr>
-      </p:pic>
+        </p:nvSpPr>
+        <p:spPr/>
+        <p:txBody>
+          <a:bodyPr/>
+          <a:lstStyle/>
+          <a:p>
+            <a:r>
+              <a:rPr lang="cs-CZ" dirty="0" smtClean="0"/>
+              <a:t>Vytvořený uživatelský je dostupný na </a:t>
+            </a:r>
+            <a:r>
+              <a:rPr lang="cs-CZ" dirty="0" err="1" smtClean="0"/>
+              <a:t>GitHubu</a:t>
+            </a:r>
+            <a:endParaRPr lang="cs-CZ" dirty="0" smtClean="0"/>
+          </a:p>
+          <a:p>
+            <a:r>
+              <a:rPr lang="cs-CZ" dirty="0" smtClean="0"/>
+              <a:t>Obsahuje popis vytvořených funkcionalit z pohledu uživatelů</a:t>
+            </a:r>
+          </a:p>
+          <a:p>
+            <a:r>
+              <a:rPr lang="cs-CZ" dirty="0" smtClean="0"/>
+              <a:t>Návod administrátorský nebyl vytvořen jelikož není hotová tato funkcionalita</a:t>
+            </a:r>
+            <a:endParaRPr lang="cs-CZ" dirty="0"/>
+          </a:p>
+        </p:txBody>
+      </p:sp>
     </p:spTree>
     <p:extLst>
       <p:ext uri="{BB962C8B-B14F-4D97-AF65-F5344CB8AC3E}">
@@ -4435,33 +4485,23 @@
           <a:p>
             <a:r>
               <a:rPr lang="cs-CZ" dirty="0" smtClean="0"/>
-              <a:t>Vyplnění </a:t>
-            </a:r>
-            <a:r>
-              <a:rPr lang="cs-CZ" dirty="0" err="1" smtClean="0"/>
-              <a:t>backlogu</a:t>
+              <a:t>Dle pokynů byla hodnocena skupina Zeus</a:t>
             </a:r>
             <a:endParaRPr lang="cs-CZ" dirty="0" smtClean="0"/>
           </a:p>
           <a:p>
             <a:r>
-              <a:rPr lang="cs-CZ" dirty="0"/>
-              <a:t>Odhad časové náročnost</a:t>
-            </a:r>
-          </a:p>
-          <a:p>
-            <a:r>
               <a:rPr lang="cs-CZ" dirty="0" smtClean="0"/>
-              <a:t>Jednotlivé </a:t>
-            </a:r>
-            <a:r>
-              <a:rPr lang="cs-CZ" dirty="0" err="1" smtClean="0"/>
-              <a:t>Itemy</a:t>
-            </a:r>
+              <a:t>Hodnocení proběhlo 8.1.2019</a:t>
+            </a:r>
+            <a:endParaRPr lang="cs-CZ" dirty="0"/>
+          </a:p>
+          <a:p>
             <a:r>
               <a:rPr lang="cs-CZ" dirty="0" smtClean="0"/>
-              <a:t> přiřazeny členům týmu</a:t>
-            </a:r>
+              <a:t>Hodnocení prostřednictvím připravené formuláře </a:t>
+            </a:r>
+            <a:endParaRPr lang="cs-CZ" dirty="0" smtClean="0"/>
           </a:p>
           <a:p>
             <a:endParaRPr lang="cs-CZ" dirty="0" smtClean="0"/>
@@ -4476,52 +4516,22 @@
       </p:sp>
       <p:pic>
         <p:nvPicPr>
-          <p:cNvPr id="4" name="Obrázek 3"/>
+          <p:cNvPr id="6" name="Obrázek 5"/>
           <p:cNvPicPr>
             <a:picLocks noChangeAspect="1"/>
           </p:cNvPicPr>
           <p:nvPr/>
         </p:nvPicPr>
         <p:blipFill>
-          <a:blip r:embed="rId2" cstate="print">
-            <a:extLst>
-              <a:ext uri="{28A0092B-C50C-407E-A947-70E740481C1C}">
-                <a14:useLocalDpi xmlns:a14="http://schemas.microsoft.com/office/drawing/2010/main" val="0"/>
-              </a:ext>
-            </a:extLst>
-          </a:blip>
+          <a:blip r:embed="rId2"/>
           <a:stretch>
             <a:fillRect/>
           </a:stretch>
         </p:blipFill>
         <p:spPr>
           <a:xfrm>
-            <a:off x="6953328" y="685800"/>
-            <a:ext cx="3564460" cy="2103995"/>
-          </a:xfrm>
-          <a:prstGeom prst="rect">
-            <a:avLst/>
-          </a:prstGeom>
-        </p:spPr>
-      </p:pic>
-      <p:pic>
-        <p:nvPicPr>
-          <p:cNvPr id="5" name="Obrázek 4"/>
-          <p:cNvPicPr>
-            <a:picLocks noChangeAspect="1"/>
-          </p:cNvPicPr>
-          <p:nvPr/>
-        </p:nvPicPr>
-        <p:blipFill>
-          <a:blip r:embed="rId3"/>
-          <a:stretch>
-            <a:fillRect/>
-          </a:stretch>
-        </p:blipFill>
-        <p:spPr>
-          <a:xfrm>
-            <a:off x="6953328" y="3472120"/>
-            <a:ext cx="4193574" cy="1655608"/>
+            <a:off x="1780016" y="4482028"/>
+            <a:ext cx="8784367" cy="1751012"/>
           </a:xfrm>
           <a:prstGeom prst="rect">
             <a:avLst/>
@@ -4581,12 +4591,8 @@
           <a:lstStyle/>
           <a:p>
             <a:r>
-              <a:rPr lang="cs-CZ" dirty="0" err="1" smtClean="0"/>
-              <a:t>Aktualizave</a:t>
-            </a:r>
-            <a:r>
               <a:rPr lang="cs-CZ" dirty="0" smtClean="0"/>
-              <a:t> </a:t>
+              <a:t>Aktualizace </a:t>
             </a:r>
             <a:r>
               <a:rPr lang="cs-CZ" dirty="0" err="1" smtClean="0"/>
@@ -4600,9 +4606,67 @@
           </a:p>
         </p:txBody>
       </p:sp>
+      <p:sp>
+        <p:nvSpPr>
+          <p:cNvPr id="5" name="Zástupný symbol pro obsah 4"/>
+          <p:cNvSpPr>
+            <a:spLocks noGrp="1"/>
+          </p:cNvSpPr>
+          <p:nvPr>
+            <p:ph sz="half" idx="2"/>
+          </p:nvPr>
+        </p:nvSpPr>
+        <p:spPr/>
+        <p:txBody>
+          <a:bodyPr/>
+          <a:lstStyle/>
+          <a:p>
+            <a:r>
+              <a:rPr lang="cs-CZ" dirty="0" smtClean="0"/>
+              <a:t>Aktualizace </a:t>
+            </a:r>
+            <a:r>
+              <a:rPr lang="cs-CZ" dirty="0" err="1" smtClean="0"/>
+              <a:t>S</a:t>
+            </a:r>
+            <a:r>
+              <a:rPr lang="cs-CZ" dirty="0" err="1" smtClean="0"/>
+              <a:t>crum</a:t>
+            </a:r>
+            <a:r>
+              <a:rPr lang="cs-CZ" dirty="0" err="1"/>
+              <a:t>D</a:t>
+            </a:r>
+            <a:r>
+              <a:rPr lang="cs-CZ" dirty="0" err="1" smtClean="0"/>
+              <a:t>esku</a:t>
+            </a:r>
+            <a:r>
+              <a:rPr lang="cs-CZ" dirty="0" smtClean="0"/>
+              <a:t> pravidelně dle odvedené práce </a:t>
+            </a:r>
+            <a:endParaRPr lang="cs-CZ" dirty="0" smtClean="0"/>
+          </a:p>
+          <a:p>
+            <a:pPr marL="530352" lvl="1" indent="0">
+              <a:buNone/>
+            </a:pPr>
+            <a:endParaRPr lang="cs-CZ" dirty="0" smtClean="0"/>
+          </a:p>
+          <a:p>
+            <a:endParaRPr lang="cs-CZ" dirty="0" smtClean="0"/>
+          </a:p>
+          <a:p>
+            <a:pPr marL="0" indent="0">
+              <a:buNone/>
+            </a:pPr>
+            <a:endParaRPr lang="cs-CZ" dirty="0"/>
+          </a:p>
+        </p:txBody>
+      </p:sp>
       <p:pic>
         <p:nvPicPr>
-          <p:cNvPr id="4" name="Zástupný symbol pro obsah 3"/>
+          <p:cNvPr id="6" name="Zástupný symbol pro obsah 5"/>
           <p:cNvPicPr>
             <a:picLocks noGrp="1" noChangeAspect="1"/>
           </p:cNvPicPr>
@@ -4618,60 +4682,14 @@
         </p:blipFill>
         <p:spPr>
           <a:xfrm>
-            <a:off x="1423214" y="2286000"/>
-            <a:ext cx="4344947" cy="3581400"/>
+            <a:off x="1371600" y="2484536"/>
+            <a:ext cx="4448175" cy="3184328"/>
           </a:xfrm>
           <a:prstGeom prst="rect">
             <a:avLst/>
           </a:prstGeom>
         </p:spPr>
       </p:pic>
-      <p:sp>
-        <p:nvSpPr>
-          <p:cNvPr id="5" name="Zástupný symbol pro obsah 4"/>
-          <p:cNvSpPr>
-            <a:spLocks noGrp="1"/>
-          </p:cNvSpPr>
-          <p:nvPr>
-            <p:ph sz="half" idx="2"/>
-          </p:nvPr>
-        </p:nvSpPr>
-        <p:spPr/>
-        <p:txBody>
-          <a:bodyPr/>
-          <a:lstStyle/>
-          <a:p>
-            <a:r>
-              <a:rPr lang="cs-CZ" dirty="0" smtClean="0"/>
-              <a:t>Rozděleno do dvou sekcí</a:t>
-            </a:r>
-          </a:p>
-          <a:p>
-            <a:pPr lvl="1"/>
-            <a:r>
-              <a:rPr lang="cs-CZ" dirty="0" smtClean="0"/>
-              <a:t>Project</a:t>
-            </a:r>
-          </a:p>
-          <a:p>
-            <a:pPr lvl="1"/>
-            <a:r>
-              <a:rPr lang="cs-CZ" dirty="0" err="1" smtClean="0"/>
-              <a:t>Product</a:t>
-            </a:r>
-            <a:endParaRPr lang="cs-CZ" dirty="0" smtClean="0"/>
-          </a:p>
-          <a:p>
-            <a:endParaRPr lang="cs-CZ" dirty="0" smtClean="0"/>
-          </a:p>
-          <a:p>
-            <a:pPr marL="0" indent="0">
-              <a:buNone/>
-            </a:pPr>
-            <a:endParaRPr lang="cs-CZ" dirty="0"/>
-          </a:p>
-        </p:txBody>
-      </p:sp>
     </p:spTree>
     <p:extLst>
       <p:ext uri="{BB962C8B-B14F-4D97-AF65-F5344CB8AC3E}">
@@ -4738,12 +4756,12 @@
       </p:sp>
       <p:pic>
         <p:nvPicPr>
-          <p:cNvPr id="6" name="Zástupný symbol pro obsah 5"/>
+          <p:cNvPr id="5" name="Zástupný symbol pro obsah 4"/>
           <p:cNvPicPr>
             <a:picLocks noGrp="1" noChangeAspect="1"/>
           </p:cNvPicPr>
           <p:nvPr>
-            <p:ph sz="half" idx="1"/>
+            <p:ph sz="half" idx="2"/>
           </p:nvPr>
         </p:nvPicPr>
         <p:blipFill>
@@ -4754,64 +4772,45 @@
         </p:blipFill>
         <p:spPr>
           <a:xfrm>
-            <a:off x="1371600" y="4302743"/>
-            <a:ext cx="4448175" cy="984469"/>
+            <a:off x="6748382" y="2286000"/>
+            <a:ext cx="4000661" cy="3581400"/>
           </a:xfrm>
           <a:prstGeom prst="rect">
             <a:avLst/>
           </a:prstGeom>
         </p:spPr>
       </p:pic>
-      <p:pic>
-        <p:nvPicPr>
-          <p:cNvPr id="7" name="Obrázek 6"/>
-          <p:cNvPicPr>
-            <a:picLocks noChangeAspect="1"/>
-          </p:cNvPicPr>
-          <p:nvPr/>
-        </p:nvPicPr>
-        <p:blipFill>
-          <a:blip r:embed="rId3"/>
-          <a:stretch>
-            <a:fillRect/>
-          </a:stretch>
-        </p:blipFill>
-        <p:spPr>
-          <a:xfrm>
-            <a:off x="1371600" y="2866187"/>
-            <a:ext cx="3698532" cy="1324747"/>
-          </a:xfrm>
-          <a:prstGeom prst="rect">
-            <a:avLst/>
-          </a:prstGeom>
-        </p:spPr>
-      </p:pic>
-      <p:pic>
-        <p:nvPicPr>
-          <p:cNvPr id="10" name="Zástupný symbol pro obsah 9"/>
-          <p:cNvPicPr>
-            <a:picLocks noGrp="1" noChangeAspect="1"/>
-          </p:cNvPicPr>
-          <p:nvPr>
-            <p:ph sz="half" idx="2"/>
-          </p:nvPr>
-        </p:nvPicPr>
-        <p:blipFill>
-          <a:blip r:embed="rId4"/>
-          <a:stretch>
-            <a:fillRect/>
-          </a:stretch>
-        </p:blipFill>
-        <p:spPr>
-          <a:xfrm>
-            <a:off x="6524625" y="2881614"/>
-            <a:ext cx="4448175" cy="2390171"/>
-          </a:xfrm>
-          <a:prstGeom prst="rect">
-            <a:avLst/>
-          </a:prstGeom>
-        </p:spPr>
-      </p:pic>
+      <p:sp>
+        <p:nvSpPr>
+          <p:cNvPr id="4" name="Zástupný symbol pro obsah 3"/>
+          <p:cNvSpPr>
+            <a:spLocks noGrp="1"/>
+          </p:cNvSpPr>
+          <p:nvPr>
+            <p:ph sz="half" idx="1"/>
+          </p:nvPr>
+        </p:nvSpPr>
+        <p:spPr/>
+        <p:txBody>
+          <a:bodyPr/>
+          <a:lstStyle/>
+          <a:p>
+            <a:r>
+              <a:rPr lang="cs-CZ" dirty="0" smtClean="0"/>
+              <a:t>Týmové úložiště </a:t>
+            </a:r>
+            <a:r>
+              <a:rPr lang="cs-CZ" dirty="0" err="1" smtClean="0"/>
+              <a:t>GitHub</a:t>
+            </a:r>
+            <a:r>
+              <a:rPr lang="cs-CZ" dirty="0" smtClean="0"/>
+              <a:t> obsahuje veškerou práci týmu</a:t>
+            </a:r>
+            <a:endParaRPr lang="cs-CZ" dirty="0"/>
+          </a:p>
+        </p:txBody>
+      </p:sp>
     </p:spTree>
     <p:extLst>
       <p:ext uri="{BB962C8B-B14F-4D97-AF65-F5344CB8AC3E}">
@@ -4872,14 +4871,36 @@
           </a:p>
         </p:txBody>
       </p:sp>
+      <p:sp>
+        <p:nvSpPr>
+          <p:cNvPr id="3" name="Zástupný symbol pro obsah 2"/>
+          <p:cNvSpPr>
+            <a:spLocks noGrp="1"/>
+          </p:cNvSpPr>
+          <p:nvPr>
+            <p:ph sz="half" idx="1"/>
+          </p:nvPr>
+        </p:nvSpPr>
+        <p:spPr/>
+        <p:txBody>
+          <a:bodyPr/>
+          <a:lstStyle/>
+          <a:p>
+            <a:r>
+              <a:rPr lang="cs-CZ" dirty="0" smtClean="0"/>
+              <a:t>Byla vytvořena pouze část redakčního systému ale poměrně dost dokumentace a testů</a:t>
+            </a:r>
+          </a:p>
+        </p:txBody>
+      </p:sp>
       <p:pic>
         <p:nvPicPr>
-          <p:cNvPr id="5" name="Zástupný symbol pro obsah 4"/>
+          <p:cNvPr id="7" name="Zástupný symbol pro obsah 6"/>
           <p:cNvPicPr>
             <a:picLocks noGrp="1" noChangeAspect="1"/>
           </p:cNvPicPr>
           <p:nvPr>
-            <p:ph sz="half" idx="1"/>
+            <p:ph sz="half" idx="2"/>
           </p:nvPr>
         </p:nvPicPr>
         <p:blipFill>
@@ -4890,34 +4911,8 @@
         </p:blipFill>
         <p:spPr>
           <a:xfrm>
-            <a:off x="1371600" y="2710980"/>
-            <a:ext cx="4448175" cy="2731439"/>
-          </a:xfrm>
-          <a:prstGeom prst="rect">
-            <a:avLst/>
-          </a:prstGeom>
-        </p:spPr>
-      </p:pic>
-      <p:pic>
-        <p:nvPicPr>
-          <p:cNvPr id="6" name="Zástupný symbol pro obsah 5"/>
-          <p:cNvPicPr>
-            <a:picLocks noGrp="1" noChangeAspect="1"/>
-          </p:cNvPicPr>
-          <p:nvPr>
-            <p:ph sz="half" idx="2"/>
-          </p:nvPr>
-        </p:nvPicPr>
-        <p:blipFill>
-          <a:blip r:embed="rId3"/>
-          <a:stretch>
-            <a:fillRect/>
-          </a:stretch>
-        </p:blipFill>
-        <p:spPr>
-          <a:xfrm>
-            <a:off x="6524625" y="2780066"/>
-            <a:ext cx="4448175" cy="2593268"/>
+            <a:off x="6524625" y="2430804"/>
+            <a:ext cx="4448175" cy="3291791"/>
           </a:xfrm>
           <a:prstGeom prst="rect">
             <a:avLst/>
